--- a/doc/ppt/第八课-前后端分离.pptx
+++ b/doc/ppt/第八课-前后端分离.pptx
@@ -245,7 +245,8 @@
           <a:p>
             <a:fld id="{8EBEA82B-6D01-406A-BAC9-1B8854C41ED0}" type="datetimeFigureOut">
               <a:rPr lang="zh-CN" altLang="en-US" smtClean="0"/>
-              <a:t>2017/8/9</a:t>
+              <a:pPr/>
+              <a:t>2017/8/10</a:t>
             </a:fld>
             <a:endParaRPr lang="zh-CN" altLang="en-US"/>
           </a:p>
@@ -287,6 +288,7 @@
           <a:p>
             <a:fld id="{F5B9A397-2D38-46E9-B7D5-FDAFE63E33F1}" type="slidenum">
               <a:rPr lang="zh-CN" altLang="en-US" smtClean="0"/>
+              <a:pPr/>
               <a:t>‹#›</a:t>
             </a:fld>
             <a:endParaRPr lang="zh-CN" altLang="en-US"/>
@@ -296,7 +298,7 @@
     </p:spTree>
     <p:extLst>
       <p:ext uri="{BB962C8B-B14F-4D97-AF65-F5344CB8AC3E}">
-        <p14:creationId xmlns:p14="http://schemas.microsoft.com/office/powerpoint/2010/main" val="3340252805"/>
+        <p14:creationId xmlns:p14="http://schemas.microsoft.com/office/powerpoint/2010/main" xmlns="" val="3340252805"/>
       </p:ext>
     </p:extLst>
   </p:cSld>
@@ -415,7 +417,8 @@
           <a:p>
             <a:fld id="{8EBEA82B-6D01-406A-BAC9-1B8854C41ED0}" type="datetimeFigureOut">
               <a:rPr lang="zh-CN" altLang="en-US" smtClean="0"/>
-              <a:t>2017/8/9</a:t>
+              <a:pPr/>
+              <a:t>2017/8/10</a:t>
             </a:fld>
             <a:endParaRPr lang="zh-CN" altLang="en-US"/>
           </a:p>
@@ -457,6 +460,7 @@
           <a:p>
             <a:fld id="{F5B9A397-2D38-46E9-B7D5-FDAFE63E33F1}" type="slidenum">
               <a:rPr lang="zh-CN" altLang="en-US" smtClean="0"/>
+              <a:pPr/>
               <a:t>‹#›</a:t>
             </a:fld>
             <a:endParaRPr lang="zh-CN" altLang="en-US"/>
@@ -466,7 +470,7 @@
     </p:spTree>
     <p:extLst>
       <p:ext uri="{BB962C8B-B14F-4D97-AF65-F5344CB8AC3E}">
-        <p14:creationId xmlns:p14="http://schemas.microsoft.com/office/powerpoint/2010/main" val="2209383103"/>
+        <p14:creationId xmlns:p14="http://schemas.microsoft.com/office/powerpoint/2010/main" xmlns="" val="2209383103"/>
       </p:ext>
     </p:extLst>
   </p:cSld>
@@ -595,7 +599,8 @@
           <a:p>
             <a:fld id="{8EBEA82B-6D01-406A-BAC9-1B8854C41ED0}" type="datetimeFigureOut">
               <a:rPr lang="zh-CN" altLang="en-US" smtClean="0"/>
-              <a:t>2017/8/9</a:t>
+              <a:pPr/>
+              <a:t>2017/8/10</a:t>
             </a:fld>
             <a:endParaRPr lang="zh-CN" altLang="en-US"/>
           </a:p>
@@ -637,6 +642,7 @@
           <a:p>
             <a:fld id="{F5B9A397-2D38-46E9-B7D5-FDAFE63E33F1}" type="slidenum">
               <a:rPr lang="zh-CN" altLang="en-US" smtClean="0"/>
+              <a:pPr/>
               <a:t>‹#›</a:t>
             </a:fld>
             <a:endParaRPr lang="zh-CN" altLang="en-US"/>
@@ -646,7 +652,7 @@
     </p:spTree>
     <p:extLst>
       <p:ext uri="{BB962C8B-B14F-4D97-AF65-F5344CB8AC3E}">
-        <p14:creationId xmlns:p14="http://schemas.microsoft.com/office/powerpoint/2010/main" val="356564175"/>
+        <p14:creationId xmlns:p14="http://schemas.microsoft.com/office/powerpoint/2010/main" xmlns="" val="356564175"/>
       </p:ext>
     </p:extLst>
   </p:cSld>
@@ -765,7 +771,8 @@
           <a:p>
             <a:fld id="{8EBEA82B-6D01-406A-BAC9-1B8854C41ED0}" type="datetimeFigureOut">
               <a:rPr lang="zh-CN" altLang="en-US" smtClean="0"/>
-              <a:t>2017/8/9</a:t>
+              <a:pPr/>
+              <a:t>2017/8/10</a:t>
             </a:fld>
             <a:endParaRPr lang="zh-CN" altLang="en-US"/>
           </a:p>
@@ -807,6 +814,7 @@
           <a:p>
             <a:fld id="{F5B9A397-2D38-46E9-B7D5-FDAFE63E33F1}" type="slidenum">
               <a:rPr lang="zh-CN" altLang="en-US" smtClean="0"/>
+              <a:pPr/>
               <a:t>‹#›</a:t>
             </a:fld>
             <a:endParaRPr lang="zh-CN" altLang="en-US"/>
@@ -816,7 +824,7 @@
     </p:spTree>
     <p:extLst>
       <p:ext uri="{BB962C8B-B14F-4D97-AF65-F5344CB8AC3E}">
-        <p14:creationId xmlns:p14="http://schemas.microsoft.com/office/powerpoint/2010/main" val="2050608677"/>
+        <p14:creationId xmlns:p14="http://schemas.microsoft.com/office/powerpoint/2010/main" xmlns="" val="2050608677"/>
       </p:ext>
     </p:extLst>
   </p:cSld>
@@ -1011,7 +1019,8 @@
           <a:p>
             <a:fld id="{8EBEA82B-6D01-406A-BAC9-1B8854C41ED0}" type="datetimeFigureOut">
               <a:rPr lang="zh-CN" altLang="en-US" smtClean="0"/>
-              <a:t>2017/8/9</a:t>
+              <a:pPr/>
+              <a:t>2017/8/10</a:t>
             </a:fld>
             <a:endParaRPr lang="zh-CN" altLang="en-US"/>
           </a:p>
@@ -1053,6 +1062,7 @@
           <a:p>
             <a:fld id="{F5B9A397-2D38-46E9-B7D5-FDAFE63E33F1}" type="slidenum">
               <a:rPr lang="zh-CN" altLang="en-US" smtClean="0"/>
+              <a:pPr/>
               <a:t>‹#›</a:t>
             </a:fld>
             <a:endParaRPr lang="zh-CN" altLang="en-US"/>
@@ -1062,7 +1072,7 @@
     </p:spTree>
     <p:extLst>
       <p:ext uri="{BB962C8B-B14F-4D97-AF65-F5344CB8AC3E}">
-        <p14:creationId xmlns:p14="http://schemas.microsoft.com/office/powerpoint/2010/main" val="1376973658"/>
+        <p14:creationId xmlns:p14="http://schemas.microsoft.com/office/powerpoint/2010/main" xmlns="" val="1376973658"/>
       </p:ext>
     </p:extLst>
   </p:cSld>
@@ -1243,7 +1253,8 @@
           <a:p>
             <a:fld id="{8EBEA82B-6D01-406A-BAC9-1B8854C41ED0}" type="datetimeFigureOut">
               <a:rPr lang="zh-CN" altLang="en-US" smtClean="0"/>
-              <a:t>2017/8/9</a:t>
+              <a:pPr/>
+              <a:t>2017/8/10</a:t>
             </a:fld>
             <a:endParaRPr lang="zh-CN" altLang="en-US"/>
           </a:p>
@@ -1285,6 +1296,7 @@
           <a:p>
             <a:fld id="{F5B9A397-2D38-46E9-B7D5-FDAFE63E33F1}" type="slidenum">
               <a:rPr lang="zh-CN" altLang="en-US" smtClean="0"/>
+              <a:pPr/>
               <a:t>‹#›</a:t>
             </a:fld>
             <a:endParaRPr lang="zh-CN" altLang="en-US"/>
@@ -1294,7 +1306,7 @@
     </p:spTree>
     <p:extLst>
       <p:ext uri="{BB962C8B-B14F-4D97-AF65-F5344CB8AC3E}">
-        <p14:creationId xmlns:p14="http://schemas.microsoft.com/office/powerpoint/2010/main" val="3088776997"/>
+        <p14:creationId xmlns:p14="http://schemas.microsoft.com/office/powerpoint/2010/main" xmlns="" val="3088776997"/>
       </p:ext>
     </p:extLst>
   </p:cSld>
@@ -1610,7 +1622,8 @@
           <a:p>
             <a:fld id="{8EBEA82B-6D01-406A-BAC9-1B8854C41ED0}" type="datetimeFigureOut">
               <a:rPr lang="zh-CN" altLang="en-US" smtClean="0"/>
-              <a:t>2017/8/9</a:t>
+              <a:pPr/>
+              <a:t>2017/8/10</a:t>
             </a:fld>
             <a:endParaRPr lang="zh-CN" altLang="en-US"/>
           </a:p>
@@ -1652,6 +1665,7 @@
           <a:p>
             <a:fld id="{F5B9A397-2D38-46E9-B7D5-FDAFE63E33F1}" type="slidenum">
               <a:rPr lang="zh-CN" altLang="en-US" smtClean="0"/>
+              <a:pPr/>
               <a:t>‹#›</a:t>
             </a:fld>
             <a:endParaRPr lang="zh-CN" altLang="en-US"/>
@@ -1661,7 +1675,7 @@
     </p:spTree>
     <p:extLst>
       <p:ext uri="{BB962C8B-B14F-4D97-AF65-F5344CB8AC3E}">
-        <p14:creationId xmlns:p14="http://schemas.microsoft.com/office/powerpoint/2010/main" val="3908093034"/>
+        <p14:creationId xmlns:p14="http://schemas.microsoft.com/office/powerpoint/2010/main" xmlns="" val="3908093034"/>
       </p:ext>
     </p:extLst>
   </p:cSld>
@@ -1728,7 +1742,8 @@
           <a:p>
             <a:fld id="{8EBEA82B-6D01-406A-BAC9-1B8854C41ED0}" type="datetimeFigureOut">
               <a:rPr lang="zh-CN" altLang="en-US" smtClean="0"/>
-              <a:t>2017/8/9</a:t>
+              <a:pPr/>
+              <a:t>2017/8/10</a:t>
             </a:fld>
             <a:endParaRPr lang="zh-CN" altLang="en-US"/>
           </a:p>
@@ -1770,6 +1785,7 @@
           <a:p>
             <a:fld id="{F5B9A397-2D38-46E9-B7D5-FDAFE63E33F1}" type="slidenum">
               <a:rPr lang="zh-CN" altLang="en-US" smtClean="0"/>
+              <a:pPr/>
               <a:t>‹#›</a:t>
             </a:fld>
             <a:endParaRPr lang="zh-CN" altLang="en-US"/>
@@ -1779,7 +1795,7 @@
     </p:spTree>
     <p:extLst>
       <p:ext uri="{BB962C8B-B14F-4D97-AF65-F5344CB8AC3E}">
-        <p14:creationId xmlns:p14="http://schemas.microsoft.com/office/powerpoint/2010/main" val="1844110203"/>
+        <p14:creationId xmlns:p14="http://schemas.microsoft.com/office/powerpoint/2010/main" xmlns="" val="1844110203"/>
       </p:ext>
     </p:extLst>
   </p:cSld>
@@ -1823,7 +1839,8 @@
           <a:p>
             <a:fld id="{8EBEA82B-6D01-406A-BAC9-1B8854C41ED0}" type="datetimeFigureOut">
               <a:rPr lang="zh-CN" altLang="en-US" smtClean="0"/>
-              <a:t>2017/8/9</a:t>
+              <a:pPr/>
+              <a:t>2017/8/10</a:t>
             </a:fld>
             <a:endParaRPr lang="zh-CN" altLang="en-US"/>
           </a:p>
@@ -1865,6 +1882,7 @@
           <a:p>
             <a:fld id="{F5B9A397-2D38-46E9-B7D5-FDAFE63E33F1}" type="slidenum">
               <a:rPr lang="zh-CN" altLang="en-US" smtClean="0"/>
+              <a:pPr/>
               <a:t>‹#›</a:t>
             </a:fld>
             <a:endParaRPr lang="zh-CN" altLang="en-US"/>
@@ -1874,7 +1892,7 @@
     </p:spTree>
     <p:extLst>
       <p:ext uri="{BB962C8B-B14F-4D97-AF65-F5344CB8AC3E}">
-        <p14:creationId xmlns:p14="http://schemas.microsoft.com/office/powerpoint/2010/main" val="2599795574"/>
+        <p14:creationId xmlns:p14="http://schemas.microsoft.com/office/powerpoint/2010/main" xmlns="" val="2599795574"/>
       </p:ext>
     </p:extLst>
   </p:cSld>
@@ -2100,7 +2118,8 @@
           <a:p>
             <a:fld id="{8EBEA82B-6D01-406A-BAC9-1B8854C41ED0}" type="datetimeFigureOut">
               <a:rPr lang="zh-CN" altLang="en-US" smtClean="0"/>
-              <a:t>2017/8/9</a:t>
+              <a:pPr/>
+              <a:t>2017/8/10</a:t>
             </a:fld>
             <a:endParaRPr lang="zh-CN" altLang="en-US"/>
           </a:p>
@@ -2142,6 +2161,7 @@
           <a:p>
             <a:fld id="{F5B9A397-2D38-46E9-B7D5-FDAFE63E33F1}" type="slidenum">
               <a:rPr lang="zh-CN" altLang="en-US" smtClean="0"/>
+              <a:pPr/>
               <a:t>‹#›</a:t>
             </a:fld>
             <a:endParaRPr lang="zh-CN" altLang="en-US"/>
@@ -2151,7 +2171,7 @@
     </p:spTree>
     <p:extLst>
       <p:ext uri="{BB962C8B-B14F-4D97-AF65-F5344CB8AC3E}">
-        <p14:creationId xmlns:p14="http://schemas.microsoft.com/office/powerpoint/2010/main" val="2420124300"/>
+        <p14:creationId xmlns:p14="http://schemas.microsoft.com/office/powerpoint/2010/main" xmlns="" val="2420124300"/>
       </p:ext>
     </p:extLst>
   </p:cSld>
@@ -2353,7 +2373,8 @@
           <a:p>
             <a:fld id="{8EBEA82B-6D01-406A-BAC9-1B8854C41ED0}" type="datetimeFigureOut">
               <a:rPr lang="zh-CN" altLang="en-US" smtClean="0"/>
-              <a:t>2017/8/9</a:t>
+              <a:pPr/>
+              <a:t>2017/8/10</a:t>
             </a:fld>
             <a:endParaRPr lang="zh-CN" altLang="en-US"/>
           </a:p>
@@ -2395,6 +2416,7 @@
           <a:p>
             <a:fld id="{F5B9A397-2D38-46E9-B7D5-FDAFE63E33F1}" type="slidenum">
               <a:rPr lang="zh-CN" altLang="en-US" smtClean="0"/>
+              <a:pPr/>
               <a:t>‹#›</a:t>
             </a:fld>
             <a:endParaRPr lang="zh-CN" altLang="en-US"/>
@@ -2404,7 +2426,7 @@
     </p:spTree>
     <p:extLst>
       <p:ext uri="{BB962C8B-B14F-4D97-AF65-F5344CB8AC3E}">
-        <p14:creationId xmlns:p14="http://schemas.microsoft.com/office/powerpoint/2010/main" val="3731945611"/>
+        <p14:creationId xmlns:p14="http://schemas.microsoft.com/office/powerpoint/2010/main" xmlns="" val="3731945611"/>
       </p:ext>
     </p:extLst>
   </p:cSld>
@@ -2566,7 +2588,8 @@
           <a:p>
             <a:fld id="{8EBEA82B-6D01-406A-BAC9-1B8854C41ED0}" type="datetimeFigureOut">
               <a:rPr lang="zh-CN" altLang="en-US" smtClean="0"/>
-              <a:t>2017/8/9</a:t>
+              <a:pPr/>
+              <a:t>2017/8/10</a:t>
             </a:fld>
             <a:endParaRPr lang="zh-CN" altLang="en-US"/>
           </a:p>
@@ -2644,6 +2667,7 @@
           <a:p>
             <a:fld id="{F5B9A397-2D38-46E9-B7D5-FDAFE63E33F1}" type="slidenum">
               <a:rPr lang="zh-CN" altLang="en-US" smtClean="0"/>
+              <a:pPr/>
               <a:t>‹#›</a:t>
             </a:fld>
             <a:endParaRPr lang="zh-CN" altLang="en-US"/>
@@ -2653,7 +2677,7 @@
     </p:spTree>
     <p:extLst>
       <p:ext uri="{BB962C8B-B14F-4D97-AF65-F5344CB8AC3E}">
-        <p14:creationId xmlns:p14="http://schemas.microsoft.com/office/powerpoint/2010/main" val="312506728"/>
+        <p14:creationId xmlns:p14="http://schemas.microsoft.com/office/powerpoint/2010/main" xmlns="" val="312506728"/>
       </p:ext>
     </p:extLst>
   </p:cSld>
@@ -3001,7 +3025,7 @@
     </p:spTree>
     <p:extLst>
       <p:ext uri="{BB962C8B-B14F-4D97-AF65-F5344CB8AC3E}">
-        <p14:creationId xmlns:p14="http://schemas.microsoft.com/office/powerpoint/2010/main" val="9722528"/>
+        <p14:creationId xmlns:p14="http://schemas.microsoft.com/office/powerpoint/2010/main" xmlns="" val="9722528"/>
       </p:ext>
     </p:extLst>
   </p:cSld>
@@ -3099,7 +3123,7 @@
     </p:spTree>
     <p:extLst>
       <p:ext uri="{BB962C8B-B14F-4D97-AF65-F5344CB8AC3E}">
-        <p14:creationId xmlns:p14="http://schemas.microsoft.com/office/powerpoint/2010/main" val="1584913328"/>
+        <p14:creationId xmlns:p14="http://schemas.microsoft.com/office/powerpoint/2010/main" xmlns="" val="1584913328"/>
       </p:ext>
     </p:extLst>
   </p:cSld>
@@ -3240,7 +3264,7 @@
     </p:spTree>
     <p:extLst>
       <p:ext uri="{BB962C8B-B14F-4D97-AF65-F5344CB8AC3E}">
-        <p14:creationId xmlns:p14="http://schemas.microsoft.com/office/powerpoint/2010/main" val="2318702240"/>
+        <p14:creationId xmlns:p14="http://schemas.microsoft.com/office/powerpoint/2010/main" xmlns="" val="2318702240"/>
       </p:ext>
     </p:extLst>
   </p:cSld>
@@ -3354,7 +3378,7 @@
     </p:spTree>
     <p:extLst>
       <p:ext uri="{BB962C8B-B14F-4D97-AF65-F5344CB8AC3E}">
-        <p14:creationId xmlns:p14="http://schemas.microsoft.com/office/powerpoint/2010/main" val="106336457"/>
+        <p14:creationId xmlns:p14="http://schemas.microsoft.com/office/powerpoint/2010/main" xmlns="" val="106336457"/>
       </p:ext>
     </p:extLst>
   </p:cSld>
@@ -3402,7 +3426,7 @@
             </a:r>
             <a:r>
               <a:rPr lang="zh-CN" altLang="en-US" dirty="0" smtClean="0"/>
-              <a:t>数据讲解</a:t>
+              <a:t>语法讲解</a:t>
             </a:r>
             <a:endParaRPr lang="zh-CN" altLang="en-US" dirty="0"/>
           </a:p>
@@ -3420,8 +3444,284 @@
         </p:nvSpPr>
         <p:spPr/>
         <p:txBody>
-          <a:bodyPr/>
-          <a:lstStyle/>
+          <a:bodyPr>
+            <a:normAutofit fontScale="25000" lnSpcReduction="20000"/>
+          </a:bodyPr>
+          <a:lstStyle/>
+          <a:p>
+            <a:r>
+              <a:rPr lang="zh-CN" altLang="en-US" sz="7200" dirty="0" smtClean="0"/>
+              <a:t>特点</a:t>
+            </a:r>
+            <a:endParaRPr lang="en-US" altLang="zh-CN" sz="7200" dirty="0" smtClean="0"/>
+          </a:p>
+          <a:p>
+            <a:pPr lvl="1"/>
+            <a:r>
+              <a:rPr lang="en-US" altLang="zh-CN" sz="7200" dirty="0" err="1" smtClean="0"/>
+              <a:t>json</a:t>
+            </a:r>
+            <a:r>
+              <a:rPr lang="zh-CN" altLang="en-US" sz="7200" dirty="0" smtClean="0"/>
+              <a:t>指的是</a:t>
+            </a:r>
+            <a:r>
+              <a:rPr lang="en-US" altLang="zh-CN" sz="7200" dirty="0" smtClean="0"/>
+              <a:t>JavaScript</a:t>
+            </a:r>
+            <a:r>
+              <a:rPr lang="zh-CN" altLang="en-US" sz="7200" dirty="0" smtClean="0"/>
+              <a:t>对象表示法</a:t>
+            </a:r>
+            <a:endParaRPr lang="en-US" altLang="zh-CN" sz="7200" dirty="0" smtClean="0"/>
+          </a:p>
+          <a:p>
+            <a:pPr lvl="1"/>
+            <a:r>
+              <a:rPr lang="en-US" altLang="zh-CN" sz="7200" dirty="0" err="1" smtClean="0"/>
+              <a:t>json</a:t>
+            </a:r>
+            <a:r>
+              <a:rPr lang="zh-CN" altLang="en-US" sz="7200" dirty="0" smtClean="0"/>
+              <a:t>是轻量级的文本数据交换格式</a:t>
+            </a:r>
+            <a:endParaRPr lang="en-US" altLang="zh-CN" sz="7200" dirty="0" smtClean="0"/>
+          </a:p>
+          <a:p>
+            <a:pPr lvl="1"/>
+            <a:r>
+              <a:rPr lang="en-US" altLang="zh-CN" sz="7200" dirty="0" err="1" smtClean="0"/>
+              <a:t>json</a:t>
+            </a:r>
+            <a:r>
+              <a:rPr lang="zh-CN" altLang="en-US" sz="7200" dirty="0" smtClean="0"/>
+              <a:t>独立与</a:t>
+            </a:r>
+            <a:r>
+              <a:rPr lang="zh-CN" altLang="en-US" sz="7200" dirty="0" smtClean="0"/>
+              <a:t>语言</a:t>
+            </a:r>
+            <a:endParaRPr lang="en-US" altLang="zh-CN" sz="7200" dirty="0" smtClean="0"/>
+          </a:p>
+          <a:p>
+            <a:pPr lvl="1"/>
+            <a:r>
+              <a:rPr lang="zh-CN" altLang="en-US" sz="7200" dirty="0" smtClean="0"/>
+              <a:t>用于描述对象或数组</a:t>
+            </a:r>
+            <a:endParaRPr lang="en-US" altLang="zh-CN" sz="7200" dirty="0" smtClean="0"/>
+          </a:p>
+          <a:p>
+            <a:r>
+              <a:rPr lang="zh-CN" altLang="en-US" sz="7200" dirty="0" smtClean="0"/>
+              <a:t>示例</a:t>
+            </a:r>
+            <a:endParaRPr lang="en-US" altLang="zh-CN" sz="7200" dirty="0" smtClean="0"/>
+          </a:p>
+          <a:p>
+            <a:pPr lvl="1"/>
+            <a:r>
+              <a:rPr lang="en-US" altLang="zh-CN" sz="7200" dirty="0" smtClean="0"/>
+              <a:t>{“name”: “</a:t>
+            </a:r>
+            <a:r>
+              <a:rPr lang="en-US" altLang="zh-CN" sz="7200" dirty="0" err="1" smtClean="0"/>
+              <a:t>zhan</a:t>
+            </a:r>
+            <a:r>
+              <a:rPr lang="en-US" altLang="zh-CN" sz="7200" dirty="0" smtClean="0"/>
+              <a:t>”, “age”: 24}</a:t>
+            </a:r>
+          </a:p>
+          <a:p>
+            <a:pPr lvl="1"/>
+            <a:r>
+              <a:rPr lang="en-US" altLang="zh-CN" sz="7200" dirty="0" smtClean="0"/>
+              <a:t>[{“name”: “</a:t>
+            </a:r>
+            <a:r>
+              <a:rPr lang="en-US" altLang="zh-CN" sz="7200" dirty="0" err="1" smtClean="0"/>
+              <a:t>zhan</a:t>
+            </a:r>
+            <a:r>
+              <a:rPr lang="en-US" altLang="zh-CN" sz="7200" dirty="0" smtClean="0"/>
+              <a:t>”}, {“name”: “</a:t>
+            </a:r>
+            <a:r>
+              <a:rPr lang="en-US" altLang="zh-CN" sz="7200" dirty="0" err="1" smtClean="0"/>
+              <a:t>zhai</a:t>
+            </a:r>
+            <a:r>
+              <a:rPr lang="en-US" altLang="zh-CN" sz="7200" dirty="0" smtClean="0"/>
+              <a:t>”}, {“name”: “</a:t>
+            </a:r>
+            <a:r>
+              <a:rPr lang="en-US" altLang="zh-CN" sz="7200" dirty="0" err="1" smtClean="0"/>
+              <a:t>xu</a:t>
+            </a:r>
+            <a:r>
+              <a:rPr lang="en-US" altLang="zh-CN" sz="7200" dirty="0" smtClean="0"/>
+              <a:t>”}]</a:t>
+            </a:r>
+            <a:endParaRPr lang="en-US" altLang="zh-CN" sz="7200" dirty="0" smtClean="0"/>
+          </a:p>
+          <a:p>
+            <a:r>
+              <a:rPr lang="zh-CN" altLang="en-US" sz="7200" dirty="0" smtClean="0"/>
+              <a:t>格式</a:t>
+            </a:r>
+            <a:endParaRPr lang="en-US" altLang="zh-CN" sz="7200" dirty="0" smtClean="0"/>
+          </a:p>
+          <a:p>
+            <a:pPr lvl="1"/>
+            <a:r>
+              <a:rPr lang="zh-CN" altLang="en-US" sz="7200" dirty="0" smtClean="0"/>
+              <a:t>两种格式： 值的列表，名字</a:t>
+            </a:r>
+            <a:r>
+              <a:rPr lang="en-US" altLang="zh-CN" sz="7200" dirty="0" smtClean="0"/>
+              <a:t>/</a:t>
+            </a:r>
+            <a:r>
+              <a:rPr lang="zh-CN" altLang="en-US" sz="7200" dirty="0" smtClean="0"/>
+              <a:t>值的集合</a:t>
+            </a:r>
+            <a:endParaRPr lang="en-US" altLang="zh-CN" sz="7200" dirty="0" smtClean="0"/>
+          </a:p>
+          <a:p>
+            <a:pPr lvl="1"/>
+            <a:r>
+              <a:rPr lang="zh-CN" altLang="en-US" sz="7200" dirty="0" smtClean="0"/>
+              <a:t>名字必须是双引号括起来的字符串</a:t>
+            </a:r>
+            <a:endParaRPr lang="en-US" altLang="zh-CN" sz="7200" dirty="0" smtClean="0"/>
+          </a:p>
+          <a:p>
+            <a:pPr lvl="1"/>
+            <a:r>
+              <a:rPr lang="zh-CN" altLang="en-US" sz="7200" dirty="0" smtClean="0"/>
+              <a:t>值可以为</a:t>
+            </a:r>
+            <a:endParaRPr lang="en-US" altLang="zh-CN" sz="7200" dirty="0" smtClean="0"/>
+          </a:p>
+          <a:p>
+            <a:pPr lvl="2"/>
+            <a:r>
+              <a:rPr lang="zh-CN" altLang="en-US" sz="7200" dirty="0" smtClean="0"/>
+              <a:t>数字</a:t>
+            </a:r>
+            <a:r>
+              <a:rPr lang="en-US" altLang="zh-CN" sz="7200" dirty="0" smtClean="0"/>
+              <a:t>(</a:t>
+            </a:r>
+            <a:r>
+              <a:rPr lang="zh-CN" altLang="en-US" sz="7200" dirty="0" smtClean="0"/>
+              <a:t>整数或者浮点数</a:t>
+            </a:r>
+            <a:r>
+              <a:rPr lang="en-US" altLang="zh-CN" sz="7200" dirty="0" smtClean="0"/>
+              <a:t>)</a:t>
+            </a:r>
+          </a:p>
+          <a:p>
+            <a:pPr lvl="2"/>
+            <a:r>
+              <a:rPr lang="zh-CN" altLang="en-US" sz="7200" dirty="0" smtClean="0"/>
+              <a:t>字符串</a:t>
+            </a:r>
+            <a:r>
+              <a:rPr lang="en-US" altLang="zh-CN" sz="7200" dirty="0" smtClean="0"/>
+              <a:t>(</a:t>
+            </a:r>
+            <a:r>
+              <a:rPr lang="zh-CN" altLang="en-US" sz="7200" dirty="0" smtClean="0"/>
+              <a:t>在双引号中</a:t>
+            </a:r>
+            <a:r>
+              <a:rPr lang="en-US" altLang="zh-CN" sz="7200" dirty="0" smtClean="0"/>
+              <a:t>)</a:t>
+            </a:r>
+          </a:p>
+          <a:p>
+            <a:pPr lvl="2"/>
+            <a:r>
+              <a:rPr lang="zh-CN" altLang="en-US" sz="7200" dirty="0" smtClean="0"/>
+              <a:t>逻辑值</a:t>
+            </a:r>
+            <a:r>
+              <a:rPr lang="en-US" altLang="zh-CN" sz="7200" dirty="0" smtClean="0"/>
+              <a:t>(true </a:t>
+            </a:r>
+            <a:r>
+              <a:rPr lang="zh-CN" altLang="en-US" sz="7200" dirty="0" smtClean="0"/>
+              <a:t>或 </a:t>
+            </a:r>
+            <a:r>
+              <a:rPr lang="en-US" altLang="zh-CN" sz="7200" dirty="0" smtClean="0"/>
+              <a:t>false)</a:t>
+            </a:r>
+          </a:p>
+          <a:p>
+            <a:pPr lvl="2"/>
+            <a:r>
+              <a:rPr lang="zh-CN" altLang="en-US" sz="7200" dirty="0" smtClean="0"/>
+              <a:t>数组</a:t>
+            </a:r>
+            <a:r>
+              <a:rPr lang="en-US" altLang="zh-CN" sz="7200" dirty="0" smtClean="0"/>
+              <a:t>(</a:t>
+            </a:r>
+            <a:r>
+              <a:rPr lang="zh-CN" altLang="en-US" sz="7200" dirty="0" smtClean="0"/>
+              <a:t>在方括号中</a:t>
+            </a:r>
+            <a:r>
+              <a:rPr lang="en-US" altLang="zh-CN" sz="7200" dirty="0" smtClean="0"/>
+              <a:t>)</a:t>
+            </a:r>
+          </a:p>
+          <a:p>
+            <a:pPr lvl="2"/>
+            <a:r>
+              <a:rPr lang="zh-CN" altLang="en-US" sz="7200" dirty="0" smtClean="0"/>
+              <a:t>对象</a:t>
+            </a:r>
+            <a:r>
+              <a:rPr lang="en-US" altLang="zh-CN" sz="7200" dirty="0" smtClean="0"/>
+              <a:t>(</a:t>
+            </a:r>
+            <a:r>
+              <a:rPr lang="zh-CN" altLang="en-US" sz="7200" dirty="0" smtClean="0"/>
+              <a:t>在花括号中</a:t>
+            </a:r>
+            <a:r>
+              <a:rPr lang="en-US" altLang="zh-CN" sz="7200" dirty="0" smtClean="0"/>
+              <a:t>)</a:t>
+            </a:r>
+          </a:p>
+          <a:p>
+            <a:pPr lvl="2"/>
+            <a:r>
+              <a:rPr lang="en-US" altLang="zh-CN" sz="7200" dirty="0" smtClean="0"/>
+              <a:t>null</a:t>
+            </a:r>
+            <a:endParaRPr lang="en-US" altLang="zh-CN" sz="7200" dirty="0" smtClean="0"/>
+          </a:p>
+          <a:p>
+            <a:pPr lvl="1">
+              <a:buNone/>
+            </a:pPr>
+            <a:endParaRPr lang="en-US" altLang="zh-CN" dirty="0" smtClean="0"/>
+          </a:p>
+          <a:p>
+            <a:pPr lvl="1">
+              <a:buNone/>
+            </a:pPr>
+            <a:r>
+              <a:rPr lang="en-US" altLang="zh-CN" dirty="0" smtClean="0"/>
+              <a:t>	</a:t>
+            </a:r>
+          </a:p>
           <a:p>
             <a:endParaRPr lang="zh-CN" altLang="en-US" dirty="0"/>
           </a:p>
@@ -3430,7 +3730,7 @@
     </p:spTree>
     <p:extLst>
       <p:ext uri="{BB962C8B-B14F-4D97-AF65-F5344CB8AC3E}">
-        <p14:creationId xmlns:p14="http://schemas.microsoft.com/office/powerpoint/2010/main" val="384470446"/>
+        <p14:creationId xmlns:p14="http://schemas.microsoft.com/office/powerpoint/2010/main" xmlns="" val="384470446"/>
       </p:ext>
     </p:extLst>
   </p:cSld>
@@ -3507,14 +3807,99 @@
           <a:bodyPr/>
           <a:lstStyle/>
           <a:p>
-            <a:endParaRPr lang="zh-CN" altLang="en-US"/>
+            <a:r>
+              <a:rPr lang="en-US" altLang="zh-CN" dirty="0" err="1" smtClean="0"/>
+              <a:t>json_encode</a:t>
+            </a:r>
+            <a:r>
+              <a:rPr lang="en-US" altLang="zh-CN" dirty="0" smtClean="0"/>
+              <a:t>() </a:t>
+            </a:r>
+            <a:r>
+              <a:rPr lang="zh-CN" altLang="en-US" dirty="0" smtClean="0"/>
+              <a:t>函数，将对象或者数组数据转换为</a:t>
+            </a:r>
+            <a:r>
+              <a:rPr lang="en-US" altLang="zh-CN" dirty="0" err="1" smtClean="0"/>
+              <a:t>json</a:t>
+            </a:r>
+            <a:r>
+              <a:rPr lang="zh-CN" altLang="en-US" dirty="0" smtClean="0"/>
+              <a:t>字符串</a:t>
+            </a:r>
+            <a:endParaRPr lang="en-US" altLang="zh-CN" dirty="0" smtClean="0"/>
+          </a:p>
+          <a:p>
+            <a:r>
+              <a:rPr lang="en-US" altLang="zh-CN" dirty="0" err="1" smtClean="0"/>
+              <a:t>json_decode</a:t>
+            </a:r>
+            <a:r>
+              <a:rPr lang="en-US" altLang="zh-CN" dirty="0" smtClean="0"/>
+              <a:t>()</a:t>
+            </a:r>
+            <a:r>
+              <a:rPr lang="zh-CN" altLang="en-US" dirty="0" smtClean="0"/>
+              <a:t>函数，将</a:t>
+            </a:r>
+            <a:r>
+              <a:rPr lang="en-US" altLang="zh-CN" dirty="0" err="1" smtClean="0"/>
+              <a:t>json</a:t>
+            </a:r>
+            <a:r>
+              <a:rPr lang="zh-CN" altLang="en-US" dirty="0" smtClean="0"/>
+              <a:t>字符串转换为</a:t>
+            </a:r>
+            <a:r>
+              <a:rPr lang="en-US" altLang="zh-CN" dirty="0" err="1" smtClean="0"/>
+              <a:t>php</a:t>
+            </a:r>
+            <a:r>
+              <a:rPr lang="zh-CN" altLang="en-US" dirty="0" smtClean="0"/>
+              <a:t>数组或对象</a:t>
+            </a:r>
+            <a:endParaRPr lang="en-US" altLang="zh-CN" dirty="0" smtClean="0"/>
+          </a:p>
+          <a:p>
+            <a:r>
+              <a:rPr lang="en-US" altLang="zh-CN" dirty="0" err="1" smtClean="0"/>
+              <a:t>json_last_error</a:t>
+            </a:r>
+            <a:r>
+              <a:rPr lang="en-US" altLang="zh-CN" dirty="0" smtClean="0"/>
+              <a:t>()</a:t>
+            </a:r>
+            <a:r>
+              <a:rPr lang="zh-CN" altLang="en-US" dirty="0" smtClean="0"/>
+              <a:t>函数，返回最后发生的错误</a:t>
+            </a:r>
+            <a:endParaRPr lang="en-US" altLang="zh-CN" dirty="0" smtClean="0"/>
+          </a:p>
+          <a:p>
+            <a:r>
+              <a:rPr lang="en-US" altLang="zh-CN" dirty="0" err="1" smtClean="0"/>
+              <a:t>json_last_error</a:t>
+            </a:r>
+            <a:r>
+              <a:rPr lang="en-US" altLang="zh-CN" dirty="0" err="1" smtClean="0"/>
+              <a:t>_msg</a:t>
+            </a:r>
+            <a:r>
+              <a:rPr lang="en-US" altLang="zh-CN" dirty="0" smtClean="0"/>
+              <a:t>()</a:t>
+            </a:r>
+            <a:r>
+              <a:rPr lang="zh-CN" altLang="en-US" dirty="0" smtClean="0"/>
+              <a:t>函数，返回最后发生错误的消息</a:t>
+            </a:r>
+            <a:endParaRPr lang="zh-CN" altLang="en-US" dirty="0"/>
           </a:p>
         </p:txBody>
       </p:sp>
     </p:spTree>
     <p:extLst>
       <p:ext uri="{BB962C8B-B14F-4D97-AF65-F5344CB8AC3E}">
-        <p14:creationId xmlns:p14="http://schemas.microsoft.com/office/powerpoint/2010/main" val="1582018934"/>
+        <p14:creationId xmlns:p14="http://schemas.microsoft.com/office/powerpoint/2010/main" xmlns="" val="1582018934"/>
       </p:ext>
     </p:extLst>
   </p:cSld>
@@ -3591,14 +3976,80 @@
           <a:bodyPr/>
           <a:lstStyle/>
           <a:p>
-            <a:endParaRPr lang="zh-CN" altLang="en-US"/>
+            <a:r>
+              <a:rPr lang="zh-CN" altLang="en-US" dirty="0" smtClean="0"/>
+              <a:t>使用</a:t>
+            </a:r>
+            <a:r>
+              <a:rPr lang="en-US" altLang="zh-CN" dirty="0" err="1" smtClean="0"/>
+              <a:t>cdn</a:t>
+            </a:r>
+            <a:r>
+              <a:rPr lang="zh-CN" altLang="en-US" dirty="0" smtClean="0"/>
+              <a:t>导入</a:t>
+            </a:r>
+            <a:r>
+              <a:rPr lang="en-US" altLang="zh-CN" dirty="0" err="1" smtClean="0"/>
+              <a:t>jQuery</a:t>
+            </a:r>
+            <a:r>
+              <a:rPr lang="zh-CN" altLang="en-US" dirty="0" smtClean="0"/>
+              <a:t>函数库</a:t>
+            </a:r>
+            <a:endParaRPr lang="en-US" altLang="zh-CN" dirty="0" smtClean="0"/>
+          </a:p>
+          <a:p>
+            <a:r>
+              <a:rPr lang="zh-CN" altLang="en-US" dirty="0" smtClean="0"/>
+              <a:t>编写</a:t>
+            </a:r>
+            <a:r>
+              <a:rPr lang="en-US" altLang="zh-CN" dirty="0" err="1" smtClean="0"/>
+              <a:t>php</a:t>
+            </a:r>
+            <a:r>
+              <a:rPr lang="zh-CN" altLang="en-US" dirty="0" smtClean="0"/>
+              <a:t>脚本，返回</a:t>
+            </a:r>
+            <a:r>
+              <a:rPr lang="en-US" altLang="zh-CN" dirty="0" err="1" smtClean="0"/>
+              <a:t>json</a:t>
+            </a:r>
+            <a:r>
+              <a:rPr lang="zh-CN" altLang="en-US" dirty="0" smtClean="0"/>
+              <a:t>编码字符串</a:t>
+            </a:r>
+            <a:endParaRPr lang="en-US" altLang="zh-CN" dirty="0" smtClean="0"/>
+          </a:p>
+          <a:p>
+            <a:r>
+              <a:rPr lang="zh-CN" altLang="en-US" dirty="0" smtClean="0"/>
+              <a:t>使用</a:t>
+            </a:r>
+            <a:r>
+              <a:rPr lang="en-US" altLang="zh-CN" dirty="0" err="1" smtClean="0"/>
+              <a:t>ajax</a:t>
+            </a:r>
+            <a:r>
+              <a:rPr lang="zh-CN" altLang="en-US" dirty="0" smtClean="0"/>
+              <a:t>获取</a:t>
+            </a:r>
+            <a:r>
+              <a:rPr lang="en-US" altLang="zh-CN" dirty="0" err="1" smtClean="0"/>
+              <a:t>json</a:t>
+            </a:r>
+            <a:r>
+              <a:rPr lang="zh-CN" altLang="en-US" dirty="0" smtClean="0"/>
+              <a:t>数据</a:t>
+            </a:r>
+            <a:endParaRPr lang="zh-CN" altLang="en-US" dirty="0"/>
           </a:p>
         </p:txBody>
       </p:sp>
     </p:spTree>
     <p:extLst>
       <p:ext uri="{BB962C8B-B14F-4D97-AF65-F5344CB8AC3E}">
-        <p14:creationId xmlns:p14="http://schemas.microsoft.com/office/powerpoint/2010/main" val="1649476897"/>
+        <p14:creationId xmlns:p14="http://schemas.microsoft.com/office/powerpoint/2010/main" xmlns="" val="1649476897"/>
       </p:ext>
     </p:extLst>
   </p:cSld>
@@ -3668,17 +4119,137 @@
         </p:nvSpPr>
         <p:spPr/>
         <p:txBody>
-          <a:bodyPr/>
-          <a:lstStyle/>
-          <a:p>
-            <a:endParaRPr lang="zh-CN" altLang="en-US"/>
+          <a:bodyPr>
+            <a:normAutofit fontScale="85000" lnSpcReduction="20000"/>
+          </a:bodyPr>
+          <a:lstStyle/>
+          <a:p>
+            <a:r>
+              <a:rPr lang="zh-CN" altLang="en-US" dirty="0" smtClean="0"/>
+              <a:t>目录结构</a:t>
+            </a:r>
+            <a:endParaRPr lang="en-US" altLang="zh-CN" dirty="0" smtClean="0"/>
+          </a:p>
+          <a:p>
+            <a:pPr lvl="1"/>
+            <a:r>
+              <a:rPr lang="en-US" altLang="zh-CN" dirty="0" smtClean="0"/>
+              <a:t>app</a:t>
+            </a:r>
+          </a:p>
+          <a:p>
+            <a:pPr lvl="2"/>
+            <a:r>
+              <a:rPr lang="en-US" altLang="zh-CN" dirty="0" err="1" smtClean="0"/>
+              <a:t>json</a:t>
+            </a:r>
+            <a:endParaRPr lang="en-US" altLang="zh-CN" dirty="0" smtClean="0"/>
+          </a:p>
+          <a:p>
+            <a:pPr lvl="3"/>
+            <a:r>
+              <a:rPr lang="en-US" altLang="zh-CN" dirty="0" smtClean="0"/>
+              <a:t>lib</a:t>
+            </a:r>
+          </a:p>
+          <a:p>
+            <a:pPr lvl="3"/>
+            <a:r>
+              <a:rPr lang="en-US" altLang="zh-CN" dirty="0" smtClean="0"/>
+              <a:t>student.php</a:t>
+            </a:r>
+            <a:endParaRPr lang="en-US" altLang="zh-CN" dirty="0" smtClean="0"/>
+          </a:p>
+          <a:p>
+            <a:pPr lvl="2"/>
+            <a:r>
+              <a:rPr lang="en-US" altLang="zh-CN" dirty="0" smtClean="0"/>
+              <a:t>web</a:t>
+            </a:r>
+          </a:p>
+          <a:p>
+            <a:pPr lvl="3"/>
+            <a:r>
+              <a:rPr lang="en-US" altLang="zh-CN" dirty="0" smtClean="0"/>
+              <a:t>lib</a:t>
+            </a:r>
+          </a:p>
+          <a:p>
+            <a:pPr lvl="4"/>
+            <a:r>
+              <a:rPr lang="en-US" altLang="zh-CN" dirty="0" err="1" smtClean="0"/>
+              <a:t>js</a:t>
+            </a:r>
+            <a:endParaRPr lang="en-US" altLang="zh-CN" dirty="0" smtClean="0"/>
+          </a:p>
+          <a:p>
+            <a:pPr lvl="5"/>
+            <a:r>
+              <a:rPr lang="en-US" altLang="zh-CN" dirty="0" err="1" smtClean="0"/>
+              <a:t>jquery.min.js</a:t>
+            </a:r>
+            <a:endParaRPr lang="en-US" altLang="zh-CN" dirty="0" smtClean="0"/>
+          </a:p>
+          <a:p>
+            <a:pPr lvl="3"/>
+            <a:r>
+              <a:rPr lang="en-US" altLang="zh-CN" dirty="0" smtClean="0"/>
+              <a:t>index.html</a:t>
+            </a:r>
+          </a:p>
+          <a:p>
+            <a:pPr lvl="3"/>
+            <a:r>
+              <a:rPr lang="en-US" altLang="zh-CN" dirty="0" smtClean="0"/>
+              <a:t>addStudent.html</a:t>
+            </a:r>
+          </a:p>
+          <a:p>
+            <a:pPr lvl="3"/>
+            <a:r>
+              <a:rPr lang="en-US" altLang="zh-CN" dirty="0" smtClean="0"/>
+              <a:t>studentList.html</a:t>
+            </a:r>
+          </a:p>
+          <a:p>
+            <a:pPr lvl="3"/>
+            <a:r>
+              <a:rPr lang="en-US" altLang="zh-CN" dirty="0" smtClean="0"/>
+              <a:t>updateStudent.html</a:t>
+            </a:r>
+          </a:p>
+          <a:p>
+            <a:pPr lvl="3"/>
+            <a:r>
+              <a:rPr lang="en-US" altLang="zh-CN" dirty="0" smtClean="0"/>
+              <a:t>studentDetail.html</a:t>
+            </a:r>
+            <a:endParaRPr lang="en-US" altLang="zh-CN" dirty="0" smtClean="0"/>
+          </a:p>
+          <a:p>
+            <a:r>
+              <a:rPr lang="zh-CN" altLang="en-US" dirty="0" smtClean="0"/>
+              <a:t>提供接口</a:t>
+            </a:r>
+            <a:endParaRPr lang="en-US" altLang="zh-CN" dirty="0" smtClean="0"/>
+          </a:p>
+          <a:p>
+            <a:r>
+              <a:rPr lang="en-US" altLang="zh-CN" dirty="0" err="1" smtClean="0"/>
+              <a:t>ajax</a:t>
+            </a:r>
+            <a:r>
+              <a:rPr lang="zh-CN" altLang="en-US" dirty="0" smtClean="0"/>
+              <a:t>封装</a:t>
+            </a:r>
+            <a:endParaRPr lang="zh-CN" altLang="en-US" dirty="0"/>
           </a:p>
         </p:txBody>
       </p:sp>
     </p:spTree>
     <p:extLst>
       <p:ext uri="{BB962C8B-B14F-4D97-AF65-F5344CB8AC3E}">
-        <p14:creationId xmlns:p14="http://schemas.microsoft.com/office/powerpoint/2010/main" val="1904414912"/>
+        <p14:creationId xmlns:p14="http://schemas.microsoft.com/office/powerpoint/2010/main" xmlns="" val="1904414912"/>
       </p:ext>
     </p:extLst>
   </p:cSld>
@@ -3731,7 +4302,7 @@
     </a:clrScheme>
     <a:fontScheme name="Office">
       <a:majorFont>
-        <a:latin typeface="Calibri Light" panose="020F0302020204030204"/>
+        <a:latin typeface="Calibri Light"/>
         <a:ea typeface=""/>
         <a:cs typeface=""/>
         <a:font script="Jpan" typeface="ＭＳ Ｐゴシック"/>
@@ -3766,7 +4337,7 @@
         <a:font script="Geor" typeface="Sylfaen"/>
       </a:majorFont>
       <a:minorFont>
-        <a:latin typeface="Calibri" panose="020F0502020204030204"/>
+        <a:latin typeface="Calibri"/>
         <a:ea typeface=""/>
         <a:cs typeface=""/>
         <a:font script="Jpan" typeface="ＭＳ Ｐゴシック"/>
@@ -3943,7 +4514,7 @@
   <a:extraClrSchemeLst/>
   <a:extLst>
     <a:ext uri="{05A4C25C-085E-4340-85A3-A5531E510DB2}">
-      <thm15:themeFamily xmlns:thm15="http://schemas.microsoft.com/office/thememl/2012/main" name="Office Theme" id="{62F939B6-93AF-4DB8-9C6B-D6C7DFDC589F}" vid="{4A3C46E8-61CC-4603-A589-7422A47A8E4A}"/>
+      <thm15:themeFamily xmlns:thm15="http://schemas.microsoft.com/office/thememl/2012/main" xmlns="" name="Office Theme" id="{62F939B6-93AF-4DB8-9C6B-D6C7DFDC589F}" vid="{4A3C46E8-61CC-4603-A589-7422A47A8E4A}"/>
     </a:ext>
   </a:extLst>
 </a:theme>

--- a/doc/ppt/第八课-前后端分离.pptx
+++ b/doc/ppt/第八课-前后端分离.pptx
@@ -111,6 +111,22 @@
       </a:defRPr>
     </a:lvl9pPr>
   </p:defaultTextStyle>
+  <p:extLst>
+    <p:ext uri="{EFAFB233-063F-42B5-8137-9DF3F51BA10A}">
+      <p15:sldGuideLst xmlns:p15="http://schemas.microsoft.com/office/powerpoint/2012/main">
+        <p15:guide id="1" orient="horz" pos="2160">
+          <p15:clr>
+            <a:srgbClr val="A4A3A4"/>
+          </p15:clr>
+        </p15:guide>
+        <p15:guide id="2" pos="3840">
+          <p15:clr>
+            <a:srgbClr val="A4A3A4"/>
+          </p15:clr>
+        </p15:guide>
+      </p15:sldGuideLst>
+    </p:ext>
+  </p:extLst>
 </p:presentation>
 </file>
 
@@ -298,7 +314,7 @@
     </p:spTree>
     <p:extLst>
       <p:ext uri="{BB962C8B-B14F-4D97-AF65-F5344CB8AC3E}">
-        <p14:creationId xmlns:p14="http://schemas.microsoft.com/office/powerpoint/2010/main" xmlns="" val="3340252805"/>
+        <p14:creationId xmlns:p14="http://schemas.microsoft.com/office/powerpoint/2010/main" val="3340252805"/>
       </p:ext>
     </p:extLst>
   </p:cSld>
@@ -470,7 +486,7 @@
     </p:spTree>
     <p:extLst>
       <p:ext uri="{BB962C8B-B14F-4D97-AF65-F5344CB8AC3E}">
-        <p14:creationId xmlns:p14="http://schemas.microsoft.com/office/powerpoint/2010/main" xmlns="" val="2209383103"/>
+        <p14:creationId xmlns:p14="http://schemas.microsoft.com/office/powerpoint/2010/main" val="2209383103"/>
       </p:ext>
     </p:extLst>
   </p:cSld>
@@ -652,7 +668,7 @@
     </p:spTree>
     <p:extLst>
       <p:ext uri="{BB962C8B-B14F-4D97-AF65-F5344CB8AC3E}">
-        <p14:creationId xmlns:p14="http://schemas.microsoft.com/office/powerpoint/2010/main" xmlns="" val="356564175"/>
+        <p14:creationId xmlns:p14="http://schemas.microsoft.com/office/powerpoint/2010/main" val="356564175"/>
       </p:ext>
     </p:extLst>
   </p:cSld>
@@ -824,7 +840,7 @@
     </p:spTree>
     <p:extLst>
       <p:ext uri="{BB962C8B-B14F-4D97-AF65-F5344CB8AC3E}">
-        <p14:creationId xmlns:p14="http://schemas.microsoft.com/office/powerpoint/2010/main" xmlns="" val="2050608677"/>
+        <p14:creationId xmlns:p14="http://schemas.microsoft.com/office/powerpoint/2010/main" val="2050608677"/>
       </p:ext>
     </p:extLst>
   </p:cSld>
@@ -1072,7 +1088,7 @@
     </p:spTree>
     <p:extLst>
       <p:ext uri="{BB962C8B-B14F-4D97-AF65-F5344CB8AC3E}">
-        <p14:creationId xmlns:p14="http://schemas.microsoft.com/office/powerpoint/2010/main" xmlns="" val="1376973658"/>
+        <p14:creationId xmlns:p14="http://schemas.microsoft.com/office/powerpoint/2010/main" val="1376973658"/>
       </p:ext>
     </p:extLst>
   </p:cSld>
@@ -1306,7 +1322,7 @@
     </p:spTree>
     <p:extLst>
       <p:ext uri="{BB962C8B-B14F-4D97-AF65-F5344CB8AC3E}">
-        <p14:creationId xmlns:p14="http://schemas.microsoft.com/office/powerpoint/2010/main" xmlns="" val="3088776997"/>
+        <p14:creationId xmlns:p14="http://schemas.microsoft.com/office/powerpoint/2010/main" val="3088776997"/>
       </p:ext>
     </p:extLst>
   </p:cSld>
@@ -1675,7 +1691,7 @@
     </p:spTree>
     <p:extLst>
       <p:ext uri="{BB962C8B-B14F-4D97-AF65-F5344CB8AC3E}">
-        <p14:creationId xmlns:p14="http://schemas.microsoft.com/office/powerpoint/2010/main" xmlns="" val="3908093034"/>
+        <p14:creationId xmlns:p14="http://schemas.microsoft.com/office/powerpoint/2010/main" val="3908093034"/>
       </p:ext>
     </p:extLst>
   </p:cSld>
@@ -1795,7 +1811,7 @@
     </p:spTree>
     <p:extLst>
       <p:ext uri="{BB962C8B-B14F-4D97-AF65-F5344CB8AC3E}">
-        <p14:creationId xmlns:p14="http://schemas.microsoft.com/office/powerpoint/2010/main" xmlns="" val="1844110203"/>
+        <p14:creationId xmlns:p14="http://schemas.microsoft.com/office/powerpoint/2010/main" val="1844110203"/>
       </p:ext>
     </p:extLst>
   </p:cSld>
@@ -1892,7 +1908,7 @@
     </p:spTree>
     <p:extLst>
       <p:ext uri="{BB962C8B-B14F-4D97-AF65-F5344CB8AC3E}">
-        <p14:creationId xmlns:p14="http://schemas.microsoft.com/office/powerpoint/2010/main" xmlns="" val="2599795574"/>
+        <p14:creationId xmlns:p14="http://schemas.microsoft.com/office/powerpoint/2010/main" val="2599795574"/>
       </p:ext>
     </p:extLst>
   </p:cSld>
@@ -2171,7 +2187,7 @@
     </p:spTree>
     <p:extLst>
       <p:ext uri="{BB962C8B-B14F-4D97-AF65-F5344CB8AC3E}">
-        <p14:creationId xmlns:p14="http://schemas.microsoft.com/office/powerpoint/2010/main" xmlns="" val="2420124300"/>
+        <p14:creationId xmlns:p14="http://schemas.microsoft.com/office/powerpoint/2010/main" val="2420124300"/>
       </p:ext>
     </p:extLst>
   </p:cSld>
@@ -2426,7 +2442,7 @@
     </p:spTree>
     <p:extLst>
       <p:ext uri="{BB962C8B-B14F-4D97-AF65-F5344CB8AC3E}">
-        <p14:creationId xmlns:p14="http://schemas.microsoft.com/office/powerpoint/2010/main" xmlns="" val="3731945611"/>
+        <p14:creationId xmlns:p14="http://schemas.microsoft.com/office/powerpoint/2010/main" val="3731945611"/>
       </p:ext>
     </p:extLst>
   </p:cSld>
@@ -2677,7 +2693,7 @@
     </p:spTree>
     <p:extLst>
       <p:ext uri="{BB962C8B-B14F-4D97-AF65-F5344CB8AC3E}">
-        <p14:creationId xmlns:p14="http://schemas.microsoft.com/office/powerpoint/2010/main" xmlns="" val="312506728"/>
+        <p14:creationId xmlns:p14="http://schemas.microsoft.com/office/powerpoint/2010/main" val="312506728"/>
       </p:ext>
     </p:extLst>
   </p:cSld>
@@ -3025,7 +3041,7 @@
     </p:spTree>
     <p:extLst>
       <p:ext uri="{BB962C8B-B14F-4D97-AF65-F5344CB8AC3E}">
-        <p14:creationId xmlns:p14="http://schemas.microsoft.com/office/powerpoint/2010/main" xmlns="" val="9722528"/>
+        <p14:creationId xmlns:p14="http://schemas.microsoft.com/office/powerpoint/2010/main" val="9722528"/>
       </p:ext>
     </p:extLst>
   </p:cSld>
@@ -3123,7 +3139,7 @@
     </p:spTree>
     <p:extLst>
       <p:ext uri="{BB962C8B-B14F-4D97-AF65-F5344CB8AC3E}">
-        <p14:creationId xmlns:p14="http://schemas.microsoft.com/office/powerpoint/2010/main" xmlns="" val="1584913328"/>
+        <p14:creationId xmlns:p14="http://schemas.microsoft.com/office/powerpoint/2010/main" val="1584913328"/>
       </p:ext>
     </p:extLst>
   </p:cSld>
@@ -3264,7 +3280,7 @@
     </p:spTree>
     <p:extLst>
       <p:ext uri="{BB962C8B-B14F-4D97-AF65-F5344CB8AC3E}">
-        <p14:creationId xmlns:p14="http://schemas.microsoft.com/office/powerpoint/2010/main" xmlns="" val="2318702240"/>
+        <p14:creationId xmlns:p14="http://schemas.microsoft.com/office/powerpoint/2010/main" val="2318702240"/>
       </p:ext>
     </p:extLst>
   </p:cSld>
@@ -3378,7 +3394,7 @@
     </p:spTree>
     <p:extLst>
       <p:ext uri="{BB962C8B-B14F-4D97-AF65-F5344CB8AC3E}">
-        <p14:creationId xmlns:p14="http://schemas.microsoft.com/office/powerpoint/2010/main" xmlns="" val="106336457"/>
+        <p14:creationId xmlns:p14="http://schemas.microsoft.com/office/powerpoint/2010/main" val="106336457"/>
       </p:ext>
     </p:extLst>
   </p:cSld>
@@ -3495,11 +3511,7 @@
             </a:r>
             <a:r>
               <a:rPr lang="zh-CN" altLang="en-US" sz="7200" dirty="0" smtClean="0"/>
-              <a:t>独立与</a:t>
-            </a:r>
-            <a:r>
-              <a:rPr lang="zh-CN" altLang="en-US" sz="7200" dirty="0" smtClean="0"/>
-              <a:t>语言</a:t>
+              <a:t>独立与语言</a:t>
             </a:r>
             <a:endParaRPr lang="en-US" altLang="zh-CN" sz="7200" dirty="0" smtClean="0"/>
           </a:p>
@@ -3521,27 +3533,63 @@
           <a:p>
             <a:pPr lvl="1"/>
             <a:r>
+              <a:rPr lang="en-US" altLang="zh-CN" sz="7200" dirty="0" err="1" smtClean="0"/>
+              <a:t>Json</a:t>
+            </a:r>
+            <a:r>
+              <a:rPr lang="zh-CN" altLang="en-US" sz="7200" dirty="0" smtClean="0"/>
+              <a:t>对象字符串（</a:t>
+            </a:r>
+            <a:r>
+              <a:rPr lang="en-US" altLang="zh-CN" sz="7200" dirty="0" err="1" smtClean="0"/>
+              <a:t>php</a:t>
+            </a:r>
+            <a:r>
+              <a:rPr lang="zh-CN" altLang="en-US" sz="7200" dirty="0" smtClean="0"/>
+              <a:t>里的关联数组）： </a:t>
+            </a:r>
+            <a:r>
               <a:rPr lang="en-US" altLang="zh-CN" sz="7200" dirty="0" smtClean="0"/>
-              <a:t>{“name”: “</a:t>
-            </a:r>
+              <a:t>{“name”: “zhan”, “age”: 24}</a:t>
+            </a:r>
+          </a:p>
+          <a:p>
+            <a:pPr lvl="1"/>
             <a:r>
               <a:rPr lang="en-US" altLang="zh-CN" sz="7200" dirty="0" err="1" smtClean="0"/>
-              <a:t>zhan</a:t>
+              <a:t>Json</a:t>
+            </a:r>
+            <a:r>
+              <a:rPr lang="zh-CN" altLang="en-US" sz="7200" dirty="0" smtClean="0"/>
+              <a:t>数组字符串</a:t>
             </a:r>
             <a:r>
               <a:rPr lang="en-US" altLang="zh-CN" sz="7200" dirty="0" smtClean="0"/>
-              <a:t>”, “age”: 24}</a:t>
-            </a:r>
-          </a:p>
-          <a:p>
-            <a:pPr lvl="1"/>
+              <a:t>(</a:t>
+            </a:r>
+            <a:r>
+              <a:rPr lang="en-US" altLang="zh-CN" sz="7200" dirty="0" err="1" smtClean="0"/>
+              <a:t>php</a:t>
+            </a:r>
+            <a:r>
+              <a:rPr lang="zh-CN" altLang="en-US" sz="7200" dirty="0" smtClean="0"/>
+              <a:t>里的数字数组</a:t>
+            </a:r>
             <a:r>
               <a:rPr lang="en-US" altLang="zh-CN" sz="7200" dirty="0" smtClean="0"/>
-              <a:t>[{“name”: “</a:t>
+              <a:t>)</a:t>
+            </a:r>
+            <a:r>
+              <a:rPr lang="zh-CN" altLang="en-US" sz="7200" dirty="0" smtClean="0"/>
+              <a:t>： </a:t>
+            </a:r>
+            <a:r>
+              <a:rPr lang="en-US" altLang="zh-CN" sz="7200" dirty="0" smtClean="0"/>
+              <a:t>[{“name”: “zhan”}, {“name”: “</a:t>
             </a:r>
             <a:r>
               <a:rPr lang="en-US" altLang="zh-CN" sz="7200" dirty="0" err="1" smtClean="0"/>
-              <a:t>zhan</a:t>
+              <a:t>zhai</a:t>
             </a:r>
             <a:r>
               <a:rPr lang="en-US" altLang="zh-CN" sz="7200" dirty="0" smtClean="0"/>
@@ -3549,21 +3597,12 @@
             </a:r>
             <a:r>
               <a:rPr lang="en-US" altLang="zh-CN" sz="7200" dirty="0" err="1" smtClean="0"/>
-              <a:t>zhai</a:t>
-            </a:r>
-            <a:r>
-              <a:rPr lang="en-US" altLang="zh-CN" sz="7200" dirty="0" smtClean="0"/>
-              <a:t>”}, {“name”: “</a:t>
-            </a:r>
-            <a:r>
-              <a:rPr lang="en-US" altLang="zh-CN" sz="7200" dirty="0" err="1" smtClean="0"/>
               <a:t>xu</a:t>
             </a:r>
             <a:r>
               <a:rPr lang="en-US" altLang="zh-CN" sz="7200" dirty="0" smtClean="0"/>
               <a:t>”}]</a:t>
             </a:r>
-            <a:endParaRPr lang="en-US" altLang="zh-CN" sz="7200" dirty="0" smtClean="0"/>
           </a:p>
           <a:p>
             <a:r>
@@ -3576,7 +3615,11 @@
             <a:pPr lvl="1"/>
             <a:r>
               <a:rPr lang="zh-CN" altLang="en-US" sz="7200" dirty="0" smtClean="0"/>
-              <a:t>两种格式： 值的列表，名字</a:t>
+              <a:t>两种</a:t>
+            </a:r>
+            <a:r>
+              <a:rPr lang="zh-CN" altLang="en-US" sz="7200" dirty="0" smtClean="0"/>
+              <a:t>格式： 值的列表，名字</a:t>
             </a:r>
             <a:r>
               <a:rPr lang="en-US" altLang="zh-CN" sz="7200" dirty="0" smtClean="0"/>
@@ -3705,7 +3748,6 @@
               <a:rPr lang="en-US" altLang="zh-CN" sz="7200" dirty="0" smtClean="0"/>
               <a:t>null</a:t>
             </a:r>
-            <a:endParaRPr lang="en-US" altLang="zh-CN" sz="7200" dirty="0" smtClean="0"/>
           </a:p>
           <a:p>
             <a:pPr lvl="1">
@@ -3730,7 +3772,7 @@
     </p:spTree>
     <p:extLst>
       <p:ext uri="{BB962C8B-B14F-4D97-AF65-F5344CB8AC3E}">
-        <p14:creationId xmlns:p14="http://schemas.microsoft.com/office/powerpoint/2010/main" xmlns="" val="384470446"/>
+        <p14:creationId xmlns:p14="http://schemas.microsoft.com/office/powerpoint/2010/main" val="384470446"/>
       </p:ext>
     </p:extLst>
   </p:cSld>
@@ -3878,11 +3920,7 @@
           <a:p>
             <a:r>
               <a:rPr lang="en-US" altLang="zh-CN" dirty="0" err="1" smtClean="0"/>
-              <a:t>json_last_error</a:t>
-            </a:r>
-            <a:r>
-              <a:rPr lang="en-US" altLang="zh-CN" dirty="0" err="1" smtClean="0"/>
-              <a:t>_msg</a:t>
+              <a:t>json_last_error_msg</a:t>
             </a:r>
             <a:r>
               <a:rPr lang="en-US" altLang="zh-CN" dirty="0" smtClean="0"/>
@@ -3899,7 +3937,7 @@
     </p:spTree>
     <p:extLst>
       <p:ext uri="{BB962C8B-B14F-4D97-AF65-F5344CB8AC3E}">
-        <p14:creationId xmlns:p14="http://schemas.microsoft.com/office/powerpoint/2010/main" xmlns="" val="1582018934"/>
+        <p14:creationId xmlns:p14="http://schemas.microsoft.com/office/powerpoint/2010/main" val="1582018934"/>
       </p:ext>
     </p:extLst>
   </p:cSld>
@@ -4049,7 +4087,7 @@
     </p:spTree>
     <p:extLst>
       <p:ext uri="{BB962C8B-B14F-4D97-AF65-F5344CB8AC3E}">
-        <p14:creationId xmlns:p14="http://schemas.microsoft.com/office/powerpoint/2010/main" xmlns="" val="1649476897"/>
+        <p14:creationId xmlns:p14="http://schemas.microsoft.com/office/powerpoint/2010/main" val="1649476897"/>
       </p:ext>
     </p:extLst>
   </p:cSld>
@@ -4120,7 +4158,7 @@
         <p:spPr/>
         <p:txBody>
           <a:bodyPr>
-            <a:normAutofit fontScale="85000" lnSpcReduction="20000"/>
+            <a:normAutofit fontScale="77500" lnSpcReduction="20000"/>
           </a:bodyPr>
           <a:lstStyle/>
           <a:p>
@@ -4149,8 +4187,24 @@
             <a:pPr lvl="3"/>
             <a:r>
               <a:rPr lang="en-US" altLang="zh-CN" dirty="0" smtClean="0"/>
-              <a:t>lib</a:t>
-            </a:r>
+              <a:t>Lib</a:t>
+            </a:r>
+          </a:p>
+          <a:p>
+            <a:pPr lvl="4"/>
+            <a:r>
+              <a:rPr lang="en-US" altLang="zh-CN" dirty="0" err="1" smtClean="0"/>
+              <a:t>BaseResponse.php</a:t>
+            </a:r>
+            <a:endParaRPr lang="en-US" altLang="zh-CN" dirty="0" smtClean="0"/>
+          </a:p>
+          <a:p>
+            <a:pPr lvl="4"/>
+            <a:r>
+              <a:rPr lang="en-US" altLang="zh-CN" dirty="0" err="1" smtClean="0"/>
+              <a:t>init.php</a:t>
+            </a:r>
+            <a:endParaRPr lang="en-US" altLang="zh-CN" dirty="0" smtClean="0"/>
           </a:p>
           <a:p>
             <a:pPr lvl="3"/>
@@ -4158,7 +4212,6 @@
               <a:rPr lang="en-US" altLang="zh-CN" dirty="0" smtClean="0"/>
               <a:t>student.php</a:t>
             </a:r>
-            <a:endParaRPr lang="en-US" altLang="zh-CN" dirty="0" smtClean="0"/>
           </a:p>
           <a:p>
             <a:pPr lvl="2"/>
@@ -4224,7 +4277,6 @@
               <a:rPr lang="en-US" altLang="zh-CN" dirty="0" smtClean="0"/>
               <a:t>studentDetail.html</a:t>
             </a:r>
-            <a:endParaRPr lang="en-US" altLang="zh-CN" dirty="0" smtClean="0"/>
           </a:p>
           <a:p>
             <a:r>
@@ -4249,7 +4301,7 @@
     </p:spTree>
     <p:extLst>
       <p:ext uri="{BB962C8B-B14F-4D97-AF65-F5344CB8AC3E}">
-        <p14:creationId xmlns:p14="http://schemas.microsoft.com/office/powerpoint/2010/main" xmlns="" val="1904414912"/>
+        <p14:creationId xmlns:p14="http://schemas.microsoft.com/office/powerpoint/2010/main" val="1904414912"/>
       </p:ext>
     </p:extLst>
   </p:cSld>
@@ -4514,7 +4566,7 @@
   <a:extraClrSchemeLst/>
   <a:extLst>
     <a:ext uri="{05A4C25C-085E-4340-85A3-A5531E510DB2}">
-      <thm15:themeFamily xmlns:thm15="http://schemas.microsoft.com/office/thememl/2012/main" xmlns="" name="Office Theme" id="{62F939B6-93AF-4DB8-9C6B-D6C7DFDC589F}" vid="{4A3C46E8-61CC-4603-A589-7422A47A8E4A}"/>
+      <thm15:themeFamily xmlns:thm15="http://schemas.microsoft.com/office/thememl/2012/main" name="Office Theme" id="{62F939B6-93AF-4DB8-9C6B-D6C7DFDC589F}" vid="{4A3C46E8-61CC-4603-A589-7422A47A8E4A}"/>
     </a:ext>
   </a:extLst>
 </a:theme>
